--- a/files/Discussion-Kang-PE Regulatory Oversight-10mins.pptx
+++ b/files/Discussion-Kang-PE Regulatory Oversight-10mins.pptx
@@ -5,23 +5,22 @@
     <p:sldMasterId id="2147483684" r:id="rId1"/>
   </p:sldMasterIdLst>
   <p:notesMasterIdLst>
-    <p:notesMasterId r:id="rId13"/>
+    <p:notesMasterId r:id="rId12"/>
   </p:notesMasterIdLst>
   <p:handoutMasterIdLst>
-    <p:handoutMasterId r:id="rId14"/>
+    <p:handoutMasterId r:id="rId13"/>
   </p:handoutMasterIdLst>
   <p:sldIdLst>
     <p:sldId id="398" r:id="rId2"/>
-    <p:sldId id="401" r:id="rId3"/>
-    <p:sldId id="402" r:id="rId4"/>
-    <p:sldId id="403" r:id="rId5"/>
-    <p:sldId id="405" r:id="rId6"/>
-    <p:sldId id="406" r:id="rId7"/>
-    <p:sldId id="407" r:id="rId8"/>
-    <p:sldId id="408" r:id="rId9"/>
-    <p:sldId id="409" r:id="rId10"/>
-    <p:sldId id="410" r:id="rId11"/>
-    <p:sldId id="411" r:id="rId12"/>
+    <p:sldId id="402" r:id="rId3"/>
+    <p:sldId id="403" r:id="rId4"/>
+    <p:sldId id="405" r:id="rId5"/>
+    <p:sldId id="406" r:id="rId6"/>
+    <p:sldId id="407" r:id="rId7"/>
+    <p:sldId id="408" r:id="rId8"/>
+    <p:sldId id="409" r:id="rId9"/>
+    <p:sldId id="410" r:id="rId10"/>
+    <p:sldId id="411" r:id="rId11"/>
   </p:sldIdLst>
   <p:sldSz cx="9144000" cy="5143500" type="screen16x9"/>
   <p:notesSz cx="9601200" cy="7315200"/>
@@ -258,7 +257,7 @@
           <a:p>
             <a:fld id="{F6992C72-CA01-4D4C-B1C4-5066EC55DB8A}" type="datetimeFigureOut">
               <a:rPr lang="da-DK" smtClean="0"/>
-              <a:t>08-12-2024</a:t>
+              <a:t>12-12-2024</a:t>
             </a:fld>
             <a:endParaRPr lang="da-DK"/>
           </a:p>
@@ -423,7 +422,7 @@
           <a:p>
             <a:fld id="{B5C1DC36-FCF6-4F65-A8BC-386231DA6558}" type="datetimeFigureOut">
               <a:rPr lang="da-DK" smtClean="0"/>
-              <a:t>08-12-2024</a:t>
+              <a:t>12-12-2024</a:t>
             </a:fld>
             <a:endParaRPr lang="da-DK"/>
           </a:p>
@@ -753,7 +752,7 @@
             </a:pPr>
             <a:r>
               <a:rPr lang="en-GB" dirty="0"/>
-              <a:t>However, you raise a fair question - if we consider public equities as another form of intermediated investment, then the paper's main finding of a 30% increase in PE fund investments may be better framed as a shift in the organizational structure of LPs' overall investment portfolios, rather than a net increase in financial intermediation per se.</a:t>
+              <a:t>if we consider public equities as another form of intermediated investment, then the paper's main finding of a 30% increase in PE fund investments may be better framed as a shift in the organizational structure of LPs' overall investment portfolios, rather than a net increase in financial intermediation per se.</a:t>
             </a:r>
           </a:p>
           <a:p>
@@ -861,7 +860,7 @@
           <a:p>
             <a:fld id="{E59BDDC2-5BFA-453C-A225-5004D8F0E7E2}" type="slidenum">
               <a:rPr lang="da-DK" smtClean="0"/>
-              <a:t>5</a:t>
+              <a:t>4</a:t>
             </a:fld>
             <a:endParaRPr lang="da-DK"/>
           </a:p>
@@ -948,7 +947,7 @@
           <a:p>
             <a:fld id="{E59BDDC2-5BFA-453C-A225-5004D8F0E7E2}" type="slidenum">
               <a:rPr lang="da-DK" smtClean="0"/>
-              <a:t>8</a:t>
+              <a:t>7</a:t>
             </a:fld>
             <a:endParaRPr lang="da-DK"/>
           </a:p>
@@ -2796,206 +2795,18 @@
   <p:clrMapOvr>
     <a:masterClrMapping/>
   </p:clrMapOvr>
-  <mc:AlternateContent xmlns:mc="http://schemas.openxmlformats.org/markup-compatibility/2006" xmlns:p14="http://schemas.microsoft.com/office/powerpoint/2010/main">
-    <mc:Choice Requires="p14">
-      <p:transition spd="slow" p14:dur="2000" advTm="20672"/>
+  <mc:AlternateContent xmlns:mc="http://schemas.openxmlformats.org/markup-compatibility/2006">
+    <mc:Choice xmlns:p14="http://schemas.microsoft.com/office/powerpoint/2010/main" Requires="p14">
+      <p:transition spd="slow" p14:dur="2000" advTm="13879"/>
     </mc:Choice>
-    <mc:Fallback xmlns="">
-      <p:transition spd="slow" advTm="20672"/>
+    <mc:Fallback>
+      <p:transition spd="slow" advTm="13879"/>
     </mc:Fallback>
   </mc:AlternateContent>
 </p:sld>
 </file>
 
 <file path=ppt/slides/slide10.xml><?xml version="1.0" encoding="utf-8"?>
-<p:sld xmlns:a="http://schemas.openxmlformats.org/drawingml/2006/main" xmlns:r="http://schemas.openxmlformats.org/officeDocument/2006/relationships" xmlns:p="http://schemas.openxmlformats.org/presentationml/2006/main">
-  <p:cSld>
-    <p:spTree>
-      <p:nvGrpSpPr>
-        <p:cNvPr id="1" name=""/>
-        <p:cNvGrpSpPr/>
-        <p:nvPr/>
-      </p:nvGrpSpPr>
-      <p:grpSpPr>
-        <a:xfrm>
-          <a:off x="0" y="0"/>
-          <a:ext cx="0" cy="0"/>
-          <a:chOff x="0" y="0"/>
-          <a:chExt cx="0" cy="0"/>
-        </a:xfrm>
-      </p:grpSpPr>
-      <mc:AlternateContent xmlns:mc="http://schemas.openxmlformats.org/markup-compatibility/2006" xmlns:a14="http://schemas.microsoft.com/office/drawing/2010/main">
-        <mc:Choice Requires="a14">
-          <p:sp>
-            <p:nvSpPr>
-              <p:cNvPr id="2" name="Content Placeholder 1">
-                <a:extLst>
-                  <a:ext uri="{FF2B5EF4-FFF2-40B4-BE49-F238E27FC236}">
-                    <a16:creationId xmlns:a16="http://schemas.microsoft.com/office/drawing/2014/main" id="{6CB9EED6-5542-4BFD-61C7-F89A4E10FD92}"/>
-                  </a:ext>
-                </a:extLst>
-              </p:cNvPr>
-              <p:cNvSpPr>
-                <a:spLocks noGrp="1"/>
-              </p:cNvSpPr>
-              <p:nvPr>
-                <p:ph sz="quarter" idx="12"/>
-              </p:nvPr>
-            </p:nvSpPr>
-            <p:spPr/>
-            <p:txBody>
-              <a:bodyPr>
-                <a:normAutofit fontScale="85000" lnSpcReduction="10000"/>
-              </a:bodyPr>
-              <a:lstStyle/>
-              <a:p>
-                <a:r>
-                  <a:rPr lang="en-US" dirty="0"/>
-                  <a:t>Definition of </a:t>
-                </a:r>
-                <a14:m>
-                  <m:oMath xmlns:m="http://schemas.openxmlformats.org/officeDocument/2006/math">
-                    <m:r>
-                      <a:rPr lang="en-US" i="1" dirty="0" smtClean="0">
-                        <a:latin typeface="Cambria Math" panose="02040503050406030204" pitchFamily="18" charset="0"/>
-                      </a:rPr>
-                      <m:t>𝐻𝑖𝑔h</m:t>
-                    </m:r>
-                    <m:r>
-                      <a:rPr lang="en-US" i="1" dirty="0" smtClean="0">
-                        <a:latin typeface="Cambria Math" panose="02040503050406030204" pitchFamily="18" charset="0"/>
-                      </a:rPr>
-                      <m:t> </m:t>
-                    </m:r>
-                    <m:r>
-                      <a:rPr lang="en-US" i="1" dirty="0" smtClean="0">
-                        <a:latin typeface="Cambria Math" panose="02040503050406030204" pitchFamily="18" charset="0"/>
-                      </a:rPr>
-                      <m:t>𝑒𝑥𝑝𝑜𝑠𝑢𝑟𝑒</m:t>
-                    </m:r>
-                  </m:oMath>
-                </a14:m>
-                <a:r>
-                  <a:rPr lang="en-US" dirty="0"/>
-                  <a:t>: clarify what ‘the share of newly registered’: high number of registered advisers (count?) or high in terms of dollars invested?</a:t>
-                </a:r>
-              </a:p>
-              <a:p>
-                <a:pPr lvl="1"/>
-                <a:r>
-                  <a:rPr lang="en-US" dirty="0"/>
-                  <a:t>Both measures make sense to me; but would like to clarify what the author uses</a:t>
-                </a:r>
-              </a:p>
-              <a:p>
-                <a:r>
-                  <a:rPr lang="en-US" dirty="0"/>
-                  <a:t>Could examine concurrent paper, Jiang, Mason, Qian, and </a:t>
-                </a:r>
-                <a:r>
-                  <a:rPr lang="en-US" dirty="0" err="1"/>
-                  <a:t>Utke</a:t>
-                </a:r>
-                <a:r>
-                  <a:rPr lang="en-US" dirty="0"/>
-                  <a:t> (2024) </a:t>
-                </a:r>
-              </a:p>
-              <a:p>
-                <a:pPr lvl="1"/>
-                <a:r>
-                  <a:rPr lang="en-US" dirty="0"/>
-                  <a:t>Document mandatory disclosure of misconduct reduces GPs’ ability to fundraise</a:t>
-                </a:r>
-              </a:p>
-              <a:p>
-                <a:endParaRPr lang="en-US" dirty="0"/>
-              </a:p>
-            </p:txBody>
-          </p:sp>
-        </mc:Choice>
-        <mc:Fallback xmlns="">
-          <p:sp>
-            <p:nvSpPr>
-              <p:cNvPr id="2" name="Content Placeholder 1">
-                <a:extLst>
-                  <a:ext uri="{FF2B5EF4-FFF2-40B4-BE49-F238E27FC236}">
-                    <a16:creationId xmlns:a16="http://schemas.microsoft.com/office/drawing/2014/main" id="{6CB9EED6-5542-4BFD-61C7-F89A4E10FD92}"/>
-                  </a:ext>
-                </a:extLst>
-              </p:cNvPr>
-              <p:cNvSpPr>
-                <a:spLocks noGrp="1" noRot="1" noChangeAspect="1" noMove="1" noResize="1" noEditPoints="1" noAdjustHandles="1" noChangeArrowheads="1" noChangeShapeType="1" noTextEdit="1"/>
-              </p:cNvSpPr>
-              <p:nvPr>
-                <p:ph sz="quarter" idx="12"/>
-              </p:nvPr>
-            </p:nvSpPr>
-            <p:spPr>
-              <a:blipFill>
-                <a:blip r:embed="rId2"/>
-                <a:stretch>
-                  <a:fillRect l="-1668"/>
-                </a:stretch>
-              </a:blipFill>
-            </p:spPr>
-            <p:txBody>
-              <a:bodyPr/>
-              <a:lstStyle/>
-              <a:p>
-                <a:r>
-                  <a:rPr lang="en-US">
-                    <a:noFill/>
-                  </a:rPr>
-                  <a:t> </a:t>
-                </a:r>
-              </a:p>
-            </p:txBody>
-          </p:sp>
-        </mc:Fallback>
-      </mc:AlternateContent>
-      <p:sp>
-        <p:nvSpPr>
-          <p:cNvPr id="3" name="Text Placeholder 2">
-            <a:extLst>
-              <a:ext uri="{FF2B5EF4-FFF2-40B4-BE49-F238E27FC236}">
-                <a16:creationId xmlns:a16="http://schemas.microsoft.com/office/drawing/2014/main" id="{1BBCFFBB-F3ED-06B9-5BBB-87322605F78C}"/>
-              </a:ext>
-            </a:extLst>
-          </p:cNvPr>
-          <p:cNvSpPr>
-            <a:spLocks noGrp="1"/>
-          </p:cNvSpPr>
-          <p:nvPr>
-            <p:ph type="body" sz="quarter" idx="10"/>
-          </p:nvPr>
-        </p:nvSpPr>
-        <p:spPr/>
-        <p:txBody>
-          <a:bodyPr/>
-          <a:lstStyle/>
-          <a:p>
-            <a:r>
-              <a:rPr lang="en-US" dirty="0"/>
-              <a:t>Other comments</a:t>
-            </a:r>
-          </a:p>
-        </p:txBody>
-      </p:sp>
-    </p:spTree>
-    <p:extLst>
-      <p:ext uri="{BB962C8B-B14F-4D97-AF65-F5344CB8AC3E}">
-        <p14:creationId xmlns:p14="http://schemas.microsoft.com/office/powerpoint/2010/main" val="15082078"/>
-      </p:ext>
-    </p:extLst>
-  </p:cSld>
-  <p:clrMapOvr>
-    <a:masterClrMapping/>
-  </p:clrMapOvr>
-</p:sld>
-</file>
-
-<file path=ppt/slides/slide11.xml><?xml version="1.0" encoding="utf-8"?>
 <p:sld xmlns:a="http://schemas.openxmlformats.org/drawingml/2006/main" xmlns:r="http://schemas.openxmlformats.org/officeDocument/2006/relationships" xmlns:p="http://schemas.openxmlformats.org/presentationml/2006/main">
   <p:cSld>
     <p:spTree>
@@ -3130,6 +2941,14 @@
   <p:clrMapOvr>
     <a:masterClrMapping/>
   </p:clrMapOvr>
+  <mc:AlternateContent xmlns:mc="http://schemas.openxmlformats.org/markup-compatibility/2006">
+    <mc:Choice xmlns:p14="http://schemas.microsoft.com/office/powerpoint/2010/main" Requires="p14">
+      <p:transition spd="slow" p14:dur="2000" advTm="20264"/>
+    </mc:Choice>
+    <mc:Fallback>
+      <p:transition spd="slow" advTm="20264"/>
+    </mc:Fallback>
+  </mc:AlternateContent>
 </p:sld>
 </file>
 
@@ -3150,199 +2969,8 @@
           <a:chExt cx="0" cy="0"/>
         </a:xfrm>
       </p:grpSpPr>
-      <p:sp>
-        <p:nvSpPr>
-          <p:cNvPr id="6" name="Content Placeholder 5">
-            <a:extLst>
-              <a:ext uri="{FF2B5EF4-FFF2-40B4-BE49-F238E27FC236}">
-                <a16:creationId xmlns:a16="http://schemas.microsoft.com/office/drawing/2014/main" id="{7C06B3EF-7752-21FE-DE12-8BFE6D28A709}"/>
-              </a:ext>
-            </a:extLst>
-          </p:cNvPr>
-          <p:cNvSpPr>
-            <a:spLocks noGrp="1"/>
-          </p:cNvSpPr>
-          <p:nvPr>
-            <p:ph sz="quarter" idx="12"/>
-          </p:nvPr>
-        </p:nvSpPr>
-        <p:spPr/>
-        <p:txBody>
-          <a:bodyPr/>
-          <a:lstStyle/>
-          <a:p>
-            <a:pPr>
-              <a:lnSpc>
-                <a:spcPct val="115000"/>
-              </a:lnSpc>
-              <a:spcAft>
-                <a:spcPts val="800"/>
-              </a:spcAft>
-            </a:pPr>
-            <a:r>
-              <a:rPr lang="en-US" sz="1800" dirty="0">
-                <a:effectLst/>
-                <a:latin typeface="Aptos" panose="020B0004020202020204" pitchFamily="34" charset="0"/>
-                <a:ea typeface="Aptos" panose="020B0004020202020204" pitchFamily="34" charset="0"/>
-                <a:cs typeface="Aptos" panose="020B0004020202020204" pitchFamily="34" charset="0"/>
-              </a:rPr>
-              <a:t>Private equity (PE) markets suffer from significant information </a:t>
-            </a:r>
-            <a:r>
-              <a:rPr lang="en-US" sz="1800" b="1" dirty="0">
-                <a:effectLst/>
-                <a:latin typeface="Aptos" panose="020B0004020202020204" pitchFamily="34" charset="0"/>
-                <a:ea typeface="Aptos" panose="020B0004020202020204" pitchFamily="34" charset="0"/>
-                <a:cs typeface="Aptos" panose="020B0004020202020204" pitchFamily="34" charset="0"/>
-              </a:rPr>
-              <a:t>frictions</a:t>
-            </a:r>
-            <a:r>
-              <a:rPr lang="en-US" sz="1800" dirty="0">
-                <a:effectLst/>
-                <a:latin typeface="Aptos" panose="020B0004020202020204" pitchFamily="34" charset="0"/>
-                <a:ea typeface="Aptos" panose="020B0004020202020204" pitchFamily="34" charset="0"/>
-                <a:cs typeface="Aptos" panose="020B0004020202020204" pitchFamily="34" charset="0"/>
-              </a:rPr>
-              <a:t> and agency conflicts between investors (LPs) and fund managers (GPs)</a:t>
-            </a:r>
-          </a:p>
-          <a:p>
-            <a:pPr>
-              <a:lnSpc>
-                <a:spcPct val="115000"/>
-              </a:lnSpc>
-              <a:spcAft>
-                <a:spcPts val="800"/>
-              </a:spcAft>
-            </a:pPr>
-            <a:r>
-              <a:rPr lang="en-US" sz="1800" dirty="0">
-                <a:effectLst/>
-                <a:latin typeface="Aptos" panose="020B0004020202020204" pitchFamily="34" charset="0"/>
-                <a:ea typeface="Aptos" panose="020B0004020202020204" pitchFamily="34" charset="0"/>
-                <a:cs typeface="Aptos" panose="020B0004020202020204" pitchFamily="34" charset="0"/>
-              </a:rPr>
-              <a:t>This can lead to excessively costly financial intermediation despite its large benefits for the economy </a:t>
-            </a:r>
-          </a:p>
-          <a:p>
-            <a:pPr lvl="1">
-              <a:lnSpc>
-                <a:spcPct val="115000"/>
-              </a:lnSpc>
-              <a:spcAft>
-                <a:spcPts val="800"/>
-              </a:spcAft>
-            </a:pPr>
-            <a:r>
-              <a:rPr lang="en-US" sz="1600" dirty="0">
-                <a:effectLst/>
-                <a:latin typeface="Aptos" panose="020B0004020202020204" pitchFamily="34" charset="0"/>
-                <a:ea typeface="Aptos" panose="020B0004020202020204" pitchFamily="34" charset="0"/>
-                <a:cs typeface="Aptos" panose="020B0004020202020204" pitchFamily="34" charset="0"/>
-              </a:rPr>
-              <a:t>Investment in innovative companies</a:t>
-            </a:r>
-          </a:p>
-          <a:p>
-            <a:pPr>
-              <a:lnSpc>
-                <a:spcPct val="115000"/>
-              </a:lnSpc>
-              <a:spcAft>
-                <a:spcPts val="800"/>
-              </a:spcAft>
-            </a:pPr>
-            <a:r>
-              <a:rPr lang="en-US" sz="1800" dirty="0">
-                <a:effectLst/>
-                <a:latin typeface="Aptos" panose="020B0004020202020204" pitchFamily="34" charset="0"/>
-                <a:ea typeface="Aptos" panose="020B0004020202020204" pitchFamily="34" charset="0"/>
-                <a:cs typeface="Aptos" panose="020B0004020202020204" pitchFamily="34" charset="0"/>
-              </a:rPr>
-              <a:t>The paper examines whether regulatory oversight can reduce the friction and facilitate financial intermediation</a:t>
-            </a:r>
-          </a:p>
-          <a:p>
-            <a:pPr marL="0" indent="0">
-              <a:lnSpc>
-                <a:spcPct val="115000"/>
-              </a:lnSpc>
-              <a:spcAft>
-                <a:spcPts val="800"/>
-              </a:spcAft>
-              <a:buNone/>
-            </a:pPr>
-            <a:endParaRPr lang="en-US" sz="1800" dirty="0">
-              <a:effectLst/>
-              <a:latin typeface="Aptos" panose="020B0004020202020204" pitchFamily="34" charset="0"/>
-              <a:ea typeface="Aptos" panose="020B0004020202020204" pitchFamily="34" charset="0"/>
-              <a:cs typeface="Aptos" panose="020B0004020202020204" pitchFamily="34" charset="0"/>
-            </a:endParaRPr>
-          </a:p>
-        </p:txBody>
-      </p:sp>
-      <p:sp>
-        <p:nvSpPr>
-          <p:cNvPr id="5" name="Text Placeholder 4">
-            <a:extLst>
-              <a:ext uri="{FF2B5EF4-FFF2-40B4-BE49-F238E27FC236}">
-                <a16:creationId xmlns:a16="http://schemas.microsoft.com/office/drawing/2014/main" id="{A89DFBFF-BB6B-A7F1-B0E8-8FE4F4DC5B3A}"/>
-              </a:ext>
-            </a:extLst>
-          </p:cNvPr>
-          <p:cNvSpPr>
-            <a:spLocks noGrp="1"/>
-          </p:cNvSpPr>
-          <p:nvPr>
-            <p:ph type="body" sz="quarter" idx="10"/>
-          </p:nvPr>
-        </p:nvSpPr>
-        <p:spPr/>
-        <p:txBody>
-          <a:bodyPr/>
-          <a:lstStyle/>
-          <a:p>
-            <a:r>
-              <a:rPr lang="en-US" dirty="0"/>
-              <a:t>Motivation</a:t>
-            </a:r>
-          </a:p>
-        </p:txBody>
-      </p:sp>
-    </p:spTree>
-    <p:extLst>
-      <p:ext uri="{BB962C8B-B14F-4D97-AF65-F5344CB8AC3E}">
-        <p14:creationId xmlns:p14="http://schemas.microsoft.com/office/powerpoint/2010/main" val="2535112282"/>
-      </p:ext>
-    </p:extLst>
-  </p:cSld>
-  <p:clrMapOvr>
-    <a:masterClrMapping/>
-  </p:clrMapOvr>
-</p:sld>
-</file>
-
-<file path=ppt/slides/slide3.xml><?xml version="1.0" encoding="utf-8"?>
-<p:sld xmlns:a="http://schemas.openxmlformats.org/drawingml/2006/main" xmlns:r="http://schemas.openxmlformats.org/officeDocument/2006/relationships" xmlns:p="http://schemas.openxmlformats.org/presentationml/2006/main">
-  <p:cSld>
-    <p:spTree>
-      <p:nvGrpSpPr>
-        <p:cNvPr id="1" name=""/>
-        <p:cNvGrpSpPr/>
-        <p:nvPr/>
-      </p:nvGrpSpPr>
-      <p:grpSpPr>
-        <a:xfrm>
-          <a:off x="0" y="0"/>
-          <a:ext cx="0" cy="0"/>
-          <a:chOff x="0" y="0"/>
-          <a:chExt cx="0" cy="0"/>
-        </a:xfrm>
-      </p:grpSpPr>
-      <mc:AlternateContent xmlns:mc="http://schemas.openxmlformats.org/markup-compatibility/2006" xmlns:a14="http://schemas.microsoft.com/office/drawing/2010/main">
-        <mc:Choice Requires="a14">
+      <mc:AlternateContent xmlns:mc="http://schemas.openxmlformats.org/markup-compatibility/2006">
+        <mc:Choice xmlns:a14="http://schemas.microsoft.com/office/drawing/2010/main" Requires="a14">
           <p:sp>
             <p:nvSpPr>
               <p:cNvPr id="6" name="Content Placeholder 5">
@@ -3367,7 +2995,7 @@
             </p:spPr>
             <p:txBody>
               <a:bodyPr>
-                <a:normAutofit fontScale="92500" lnSpcReduction="20000"/>
+                <a:normAutofit fontScale="85000" lnSpcReduction="20000"/>
               </a:bodyPr>
               <a:lstStyle/>
               <a:p>
@@ -3381,7 +3009,21 @@
                 </a:pPr>
                 <a:r>
                   <a:rPr lang="en-US" dirty="0"/>
-                  <a:t>The Dodd-Frank Act unexpectedly expanded regulatory oversight of PE fund advisers</a:t>
+                  <a:t>Dodd-Frank Act unexpectedly expanded regulatory oversight of PE fund advisers</a:t>
+                </a:r>
+              </a:p>
+              <a:p>
+                <a:pPr lvl="1">
+                  <a:lnSpc>
+                    <a:spcPct val="115000"/>
+                  </a:lnSpc>
+                  <a:spcAft>
+                    <a:spcPts val="800"/>
+                  </a:spcAft>
+                </a:pPr>
+                <a:r>
+                  <a:rPr lang="en-US" dirty="0"/>
+                  <a:t>Goal: Improve transparency and reduce agency conflicts</a:t>
                 </a:r>
               </a:p>
               <a:p>
@@ -3503,7 +3145,7 @@
             </p:txBody>
           </p:sp>
         </mc:Choice>
-        <mc:Fallback xmlns="">
+        <mc:Fallback>
           <p:sp>
             <p:nvSpPr>
               <p:cNvPr id="6" name="Content Placeholder 5">
@@ -3526,9 +3168,9 @@
                 <a:ext cx="7310437" cy="3381375"/>
               </a:xfrm>
               <a:blipFill>
-                <a:blip r:embed="rId2"/>
+                <a:blip r:embed="rId3"/>
                 <a:stretch>
-                  <a:fillRect l="-1918" t="-2703" r="-1668" b="-360"/>
+                  <a:fillRect l="-1668" t="-2342" b="-1802"/>
                 </a:stretch>
               </a:blipFill>
             </p:spPr>
@@ -3576,6 +3218,9 @@
         </p:txBody>
       </p:sp>
     </p:spTree>
+    <p:custDataLst>
+      <p:tags r:id="rId1"/>
+    </p:custDataLst>
     <p:extLst>
       <p:ext uri="{BB962C8B-B14F-4D97-AF65-F5344CB8AC3E}">
         <p14:creationId xmlns:p14="http://schemas.microsoft.com/office/powerpoint/2010/main" val="1077631545"/>
@@ -3585,6 +3230,14 @@
   <p:clrMapOvr>
     <a:masterClrMapping/>
   </p:clrMapOvr>
+  <mc:AlternateContent xmlns:mc="http://schemas.openxmlformats.org/markup-compatibility/2006">
+    <mc:Choice xmlns:p14="http://schemas.microsoft.com/office/powerpoint/2010/main" Requires="p14">
+      <p:transition spd="slow" p14:dur="2000" advTm="94372"/>
+    </mc:Choice>
+    <mc:Fallback>
+      <p:transition spd="slow" advTm="94372"/>
+    </mc:Fallback>
+  </mc:AlternateContent>
   <p:timing>
     <p:tnLst>
       <p:par>
@@ -3636,33 +3289,15 @@
                                   </p:childTnLst>
                                 </p:cTn>
                               </p:par>
-                            </p:childTnLst>
-                          </p:cTn>
-                        </p:par>
-                      </p:childTnLst>
-                    </p:cTn>
-                  </p:par>
-                  <p:par>
-                    <p:cTn id="7" fill="hold">
-                      <p:stCondLst>
-                        <p:cond delay="indefinite"/>
-                      </p:stCondLst>
-                      <p:childTnLst>
-                        <p:par>
-                          <p:cTn id="8" fill="hold">
-                            <p:stCondLst>
-                              <p:cond delay="0"/>
-                            </p:stCondLst>
-                            <p:childTnLst>
                               <p:par>
-                                <p:cTn id="9" presetID="1" presetClass="entr" presetSubtype="0" fill="hold" grpId="0" nodeType="clickEffect">
+                                <p:cTn id="7" presetID="1" presetClass="entr" presetSubtype="0" fill="hold" grpId="0" nodeType="withEffect">
                                   <p:stCondLst>
                                     <p:cond delay="0"/>
                                   </p:stCondLst>
                                   <p:childTnLst>
                                     <p:set>
                                       <p:cBhvr>
-                                        <p:cTn id="10" dur="1" fill="hold">
+                                        <p:cTn id="8" dur="1" fill="hold">
                                           <p:stCondLst>
                                             <p:cond delay="0"/>
                                           </p:stCondLst>
@@ -3685,8 +3320,26 @@
                                   </p:childTnLst>
                                 </p:cTn>
                               </p:par>
+                            </p:childTnLst>
+                          </p:cTn>
+                        </p:par>
+                      </p:childTnLst>
+                    </p:cTn>
+                  </p:par>
+                  <p:par>
+                    <p:cTn id="9" fill="hold">
+                      <p:stCondLst>
+                        <p:cond delay="indefinite"/>
+                      </p:stCondLst>
+                      <p:childTnLst>
+                        <p:par>
+                          <p:cTn id="10" fill="hold">
+                            <p:stCondLst>
+                              <p:cond delay="0"/>
+                            </p:stCondLst>
+                            <p:childTnLst>
                               <p:par>
-                                <p:cTn id="11" presetID="1" presetClass="entr" presetSubtype="0" fill="hold" grpId="0" nodeType="withEffect">
+                                <p:cTn id="11" presetID="1" presetClass="entr" presetSubtype="0" fill="hold" grpId="0" nodeType="clickEffect">
                                   <p:stCondLst>
                                     <p:cond delay="0"/>
                                   </p:stCondLst>
@@ -3778,33 +3431,15 @@
                                   </p:childTnLst>
                                 </p:cTn>
                               </p:par>
-                            </p:childTnLst>
-                          </p:cTn>
-                        </p:par>
-                      </p:childTnLst>
-                    </p:cTn>
-                  </p:par>
-                  <p:par>
-                    <p:cTn id="17" fill="hold">
-                      <p:stCondLst>
-                        <p:cond delay="indefinite"/>
-                      </p:stCondLst>
-                      <p:childTnLst>
-                        <p:par>
-                          <p:cTn id="18" fill="hold">
-                            <p:stCondLst>
-                              <p:cond delay="0"/>
-                            </p:stCondLst>
-                            <p:childTnLst>
                               <p:par>
-                                <p:cTn id="19" presetID="1" presetClass="entr" presetSubtype="0" fill="hold" grpId="0" nodeType="clickEffect">
+                                <p:cTn id="17" presetID="1" presetClass="entr" presetSubtype="0" fill="hold" grpId="0" nodeType="withEffect">
                                   <p:stCondLst>
                                     <p:cond delay="0"/>
                                   </p:stCondLst>
                                   <p:childTnLst>
                                     <p:set>
                                       <p:cBhvr>
-                                        <p:cTn id="20" dur="1" fill="hold">
+                                        <p:cTn id="18" dur="1" fill="hold">
                                           <p:stCondLst>
                                             <p:cond delay="0"/>
                                           </p:stCondLst>
@@ -3827,8 +3462,26 @@
                                   </p:childTnLst>
                                 </p:cTn>
                               </p:par>
+                            </p:childTnLst>
+                          </p:cTn>
+                        </p:par>
+                      </p:childTnLst>
+                    </p:cTn>
+                  </p:par>
+                  <p:par>
+                    <p:cTn id="19" fill="hold">
+                      <p:stCondLst>
+                        <p:cond delay="indefinite"/>
+                      </p:stCondLst>
+                      <p:childTnLst>
+                        <p:par>
+                          <p:cTn id="20" fill="hold">
+                            <p:stCondLst>
+                              <p:cond delay="0"/>
+                            </p:stCondLst>
+                            <p:childTnLst>
                               <p:par>
-                                <p:cTn id="21" presetID="1" presetClass="entr" presetSubtype="0" fill="hold" grpId="0" nodeType="withEffect">
+                                <p:cTn id="21" presetID="1" presetClass="entr" presetSubtype="0" fill="hold" grpId="0" nodeType="clickEffect">
                                   <p:stCondLst>
                                     <p:cond delay="0"/>
                                   </p:stCondLst>
@@ -3844,6 +3497,37 @@
                                           <p:spTgt spid="6">
                                             <p:txEl>
                                               <p:pRg st="6" end="6"/>
+                                            </p:txEl>
+                                          </p:spTgt>
+                                        </p:tgtEl>
+                                        <p:attrNameLst>
+                                          <p:attrName>style.visibility</p:attrName>
+                                        </p:attrNameLst>
+                                      </p:cBhvr>
+                                      <p:to>
+                                        <p:strVal val="visible"/>
+                                      </p:to>
+                                    </p:set>
+                                  </p:childTnLst>
+                                </p:cTn>
+                              </p:par>
+                              <p:par>
+                                <p:cTn id="23" presetID="1" presetClass="entr" presetSubtype="0" fill="hold" grpId="0" nodeType="withEffect">
+                                  <p:stCondLst>
+                                    <p:cond delay="0"/>
+                                  </p:stCondLst>
+                                  <p:childTnLst>
+                                    <p:set>
+                                      <p:cBhvr>
+                                        <p:cTn id="24" dur="1" fill="hold">
+                                          <p:stCondLst>
+                                            <p:cond delay="0"/>
+                                          </p:stCondLst>
+                                        </p:cTn>
+                                        <p:tgtEl>
+                                          <p:spTgt spid="6">
+                                            <p:txEl>
+                                              <p:pRg st="7" end="7"/>
                                             </p:txEl>
                                           </p:spTgt>
                                         </p:tgtEl>
@@ -3892,7 +3576,7 @@
 </p:sld>
 </file>
 
-<file path=ppt/slides/slide4.xml><?xml version="1.0" encoding="utf-8"?>
+<file path=ppt/slides/slide3.xml><?xml version="1.0" encoding="utf-8"?>
 <p:sld xmlns:a="http://schemas.openxmlformats.org/drawingml/2006/main" xmlns:r="http://schemas.openxmlformats.org/officeDocument/2006/relationships" xmlns:p="http://schemas.openxmlformats.org/presentationml/2006/main">
   <p:cSld>
     <p:spTree>
@@ -3998,7 +3682,7 @@
                 </a:r>
               </a:p>
               <a:p>
-                <a:pPr marL="628650" lvl="1" indent="-171450">
+                <a:pPr marL="742950" lvl="1" indent="-285750">
                   <a:lnSpc>
                     <a:spcPct val="115000"/>
                   </a:lnSpc>
@@ -4006,6 +3690,8 @@
                     <a:spcPts val="800"/>
                   </a:spcAft>
                   <a:buSzPts val="1000"/>
+                  <a:buFont typeface="Arial" panose="020B0604020202020204" pitchFamily="34" charset="0"/>
+                  <a:buChar char="•"/>
                   <a:tabLst>
                     <a:tab pos="914400" algn="l"/>
                   </a:tabLst>
@@ -4084,7 +3770,7 @@
                 </a:r>
               </a:p>
               <a:p>
-                <a:pPr marL="628650" lvl="1" indent="-171450">
+                <a:pPr marL="742950" lvl="1" indent="-285750">
                   <a:lnSpc>
                     <a:spcPct val="115000"/>
                   </a:lnSpc>
@@ -4092,6 +3778,8 @@
                     <a:spcPts val="800"/>
                   </a:spcAft>
                   <a:buSzPts val="1000"/>
+                  <a:buFont typeface="Arial" panose="020B0604020202020204" pitchFamily="34" charset="0"/>
+                  <a:buChar char="•"/>
                   <a:tabLst>
                     <a:tab pos="914400" algn="l"/>
                   </a:tabLst>
@@ -4285,7 +3973,7 @@
                 </a:r>
               </a:p>
               <a:p>
-                <a:pPr marL="628650" lvl="1" indent="-171450">
+                <a:pPr marL="742950" lvl="1" indent="-285750">
                   <a:lnSpc>
                     <a:spcPct val="115000"/>
                   </a:lnSpc>
@@ -4293,6 +3981,8 @@
                     <a:spcPts val="800"/>
                   </a:spcAft>
                   <a:buSzPts val="1000"/>
+                  <a:buFont typeface="Arial" panose="020B0604020202020204" pitchFamily="34" charset="0"/>
+                  <a:buChar char="•"/>
                   <a:tabLst>
                     <a:tab pos="914400" algn="l"/>
                   </a:tabLst>
@@ -4422,7 +4112,7 @@
             </p:nvSpPr>
             <p:spPr>
               <a:blipFill>
-                <a:blip r:embed="rId2"/>
+                <a:blip r:embed="rId3"/>
                 <a:stretch>
                   <a:fillRect l="-1501" t="-1802"/>
                 </a:stretch>
@@ -4474,6 +4164,9 @@
         </p:txBody>
       </p:sp>
     </p:spTree>
+    <p:custDataLst>
+      <p:tags r:id="rId1"/>
+    </p:custDataLst>
     <p:extLst>
       <p:ext uri="{BB962C8B-B14F-4D97-AF65-F5344CB8AC3E}">
         <p14:creationId xmlns:p14="http://schemas.microsoft.com/office/powerpoint/2010/main" val="1316855940"/>
@@ -4483,6 +4176,14 @@
   <p:clrMapOvr>
     <a:masterClrMapping/>
   </p:clrMapOvr>
+  <mc:AlternateContent xmlns:mc="http://schemas.openxmlformats.org/markup-compatibility/2006">
+    <mc:Choice xmlns:p14="http://schemas.microsoft.com/office/powerpoint/2010/main" Requires="p14">
+      <p:transition spd="slow" p14:dur="2000" advTm="83657"/>
+    </mc:Choice>
+    <mc:Fallback>
+      <p:transition spd="slow" advTm="83657"/>
+    </mc:Fallback>
+  </mc:AlternateContent>
   <p:timing>
     <p:tnLst>
       <p:par>
@@ -4906,7 +4607,7 @@
 </p:sld>
 </file>
 
-<file path=ppt/slides/slide5.xml><?xml version="1.0" encoding="utf-8"?>
+<file path=ppt/slides/slide4.xml><?xml version="1.0" encoding="utf-8"?>
 <p:sld xmlns:a="http://schemas.openxmlformats.org/drawingml/2006/main" xmlns:r="http://schemas.openxmlformats.org/officeDocument/2006/relationships" xmlns:p="http://schemas.openxmlformats.org/presentationml/2006/main">
   <p:cSld>
     <p:spTree>
@@ -4923,92 +4624,193 @@
           <a:chExt cx="0" cy="0"/>
         </a:xfrm>
       </p:grpSpPr>
-      <p:sp>
-        <p:nvSpPr>
-          <p:cNvPr id="2" name="Content Placeholder 1">
-            <a:extLst>
-              <a:ext uri="{FF2B5EF4-FFF2-40B4-BE49-F238E27FC236}">
-                <a16:creationId xmlns:a16="http://schemas.microsoft.com/office/drawing/2014/main" id="{57DE6440-E1AE-DE68-1AFB-DFF8540C7137}"/>
-              </a:ext>
-            </a:extLst>
-          </p:cNvPr>
-          <p:cNvSpPr>
-            <a:spLocks noGrp="1"/>
-          </p:cNvSpPr>
-          <p:nvPr>
-            <p:ph sz="quarter" idx="12"/>
-          </p:nvPr>
-        </p:nvSpPr>
-        <p:spPr/>
-        <p:txBody>
-          <a:bodyPr>
-            <a:normAutofit fontScale="77500" lnSpcReduction="20000"/>
-          </a:bodyPr>
-          <a:lstStyle/>
-          <a:p>
-            <a:r>
-              <a:rPr lang="en-US" b="1" dirty="0"/>
-              <a:t>Puzzle</a:t>
-            </a:r>
-            <a:r>
-              <a:rPr lang="en-US" dirty="0"/>
-              <a:t>: The $12M increase in PE fund investment far exceeds the $0.5M decrease in direct investment</a:t>
-            </a:r>
-          </a:p>
-          <a:p>
-            <a:pPr lvl="1"/>
-            <a:r>
-              <a:rPr lang="en-US" dirty="0"/>
-              <a:t>Potential explanation 1: Reallocation from other asset classes (public equity?)</a:t>
-            </a:r>
-          </a:p>
-          <a:p>
-            <a:r>
-              <a:rPr lang="en-US" b="1" dirty="0"/>
-              <a:t>Next puzzle</a:t>
-            </a:r>
-            <a:r>
-              <a:rPr lang="en-US" dirty="0"/>
-              <a:t>: Can LPs increase investment to PE/VC by 30%?</a:t>
-            </a:r>
-          </a:p>
-          <a:p>
-            <a:pPr lvl="1"/>
-            <a:r>
-              <a:rPr lang="en-US" dirty="0"/>
-              <a:t>Not sure if LPs are that flexible, given various mandates and constraints</a:t>
-            </a:r>
-          </a:p>
-          <a:p>
-            <a:pPr lvl="1"/>
-            <a:r>
-              <a:rPr lang="en-US" dirty="0"/>
-              <a:t>Many LPs (pension funds, endowments etc.) operate within strict investment mandates that limit exposure to ‘alternative’ assets like PE/VC</a:t>
-            </a:r>
-          </a:p>
-          <a:p>
-            <a:pPr lvl="1"/>
-            <a:r>
-              <a:rPr lang="en-US" dirty="0"/>
-              <a:t>Potential explanation 2: Something else might be happening around the reform that drives increases in </a:t>
-            </a:r>
-            <a:r>
-              <a:rPr lang="en-US" i="1" dirty="0"/>
-              <a:t>observed </a:t>
-            </a:r>
-            <a:r>
-              <a:rPr lang="en-US" dirty="0"/>
-              <a:t>investment in PE/VC [more next slide]</a:t>
-            </a:r>
-          </a:p>
-          <a:p>
-            <a:r>
-              <a:rPr lang="en-US" dirty="0"/>
-              <a:t>Either cases are inconsistent with the ‘increased intermediation’ story</a:t>
-            </a:r>
-          </a:p>
-        </p:txBody>
-      </p:sp>
+      <mc:AlternateContent xmlns:mc="http://schemas.openxmlformats.org/markup-compatibility/2006">
+        <mc:Choice xmlns:a14="http://schemas.microsoft.com/office/drawing/2010/main" Requires="a14">
+          <p:sp>
+            <p:nvSpPr>
+              <p:cNvPr id="2" name="Content Placeholder 1">
+                <a:extLst>
+                  <a:ext uri="{FF2B5EF4-FFF2-40B4-BE49-F238E27FC236}">
+                    <a16:creationId xmlns:a16="http://schemas.microsoft.com/office/drawing/2014/main" id="{57DE6440-E1AE-DE68-1AFB-DFF8540C7137}"/>
+                  </a:ext>
+                </a:extLst>
+              </p:cNvPr>
+              <p:cNvSpPr>
+                <a:spLocks noGrp="1"/>
+              </p:cNvSpPr>
+              <p:nvPr>
+                <p:ph sz="quarter" idx="12"/>
+              </p:nvPr>
+            </p:nvSpPr>
+            <p:spPr/>
+            <p:txBody>
+              <a:bodyPr>
+                <a:normAutofit fontScale="85000" lnSpcReduction="10000"/>
+              </a:bodyPr>
+              <a:lstStyle/>
+              <a:p>
+                <a:r>
+                  <a:rPr lang="en-US" b="1" dirty="0"/>
+                  <a:t>Note 1</a:t>
+                </a:r>
+                <a:r>
+                  <a:rPr lang="en-US" dirty="0"/>
+                  <a:t>: </a:t>
+                </a:r>
+                <a:r>
+                  <a:rPr lang="en-US" dirty="0">
+                    <a:solidFill>
+                      <a:srgbClr val="0070C0"/>
+                    </a:solidFill>
+                  </a:rPr>
+                  <a:t>$12M </a:t>
+                </a:r>
+                <a14:m>
+                  <m:oMath xmlns:m="http://schemas.openxmlformats.org/officeDocument/2006/math">
+                    <m:r>
+                      <a:rPr lang="en-US" b="0" i="1" smtClean="0">
+                        <a:solidFill>
+                          <a:srgbClr val="0070C0"/>
+                        </a:solidFill>
+                        <a:latin typeface="Cambria Math" panose="02040503050406030204" pitchFamily="18" charset="0"/>
+                      </a:rPr>
+                      <m:t>↑</m:t>
+                    </m:r>
+                  </m:oMath>
+                </a14:m>
+                <a:r>
+                  <a:rPr lang="en-US" dirty="0"/>
+                  <a:t> in PE fund investment &gt;&gt;&gt; </a:t>
+                </a:r>
+                <a:r>
+                  <a:rPr lang="en-US" dirty="0">
+                    <a:solidFill>
+                      <a:schemeClr val="accent6"/>
+                    </a:solidFill>
+                  </a:rPr>
+                  <a:t>$0.5M </a:t>
+                </a:r>
+                <a14:m>
+                  <m:oMath xmlns:m="http://schemas.openxmlformats.org/officeDocument/2006/math">
+                    <m:r>
+                      <a:rPr lang="en-US" b="0" i="1" smtClean="0">
+                        <a:solidFill>
+                          <a:schemeClr val="accent6"/>
+                        </a:solidFill>
+                        <a:latin typeface="Cambria Math" panose="02040503050406030204" pitchFamily="18" charset="0"/>
+                      </a:rPr>
+                      <m:t>↓</m:t>
+                    </m:r>
+                  </m:oMath>
+                </a14:m>
+                <a:r>
+                  <a:rPr lang="en-US" dirty="0">
+                    <a:solidFill>
+                      <a:schemeClr val="accent6"/>
+                    </a:solidFill>
+                  </a:rPr>
+                  <a:t> </a:t>
+                </a:r>
+                <a:r>
+                  <a:rPr lang="en-US" dirty="0"/>
+                  <a:t>in direct investment</a:t>
+                </a:r>
+              </a:p>
+              <a:p>
+                <a:pPr lvl="1"/>
+                <a:r>
+                  <a:rPr lang="en-US" dirty="0"/>
+                  <a:t>Potential explanation 1: Reallocation from other asset classes (public equity?)</a:t>
+                </a:r>
+              </a:p>
+              <a:p>
+                <a:r>
+                  <a:rPr lang="en-US" b="1" dirty="0"/>
+                  <a:t>Note 2</a:t>
+                </a:r>
+                <a:r>
+                  <a:rPr lang="en-US" dirty="0"/>
+                  <a:t>: Can LPs increase investment to PE/VC by 30%?</a:t>
+                </a:r>
+              </a:p>
+              <a:p>
+                <a:pPr lvl="1"/>
+                <a:r>
+                  <a:rPr lang="en-US" dirty="0"/>
+                  <a:t>Not sure if LPs are that flexible, given various mandates and constraints</a:t>
+                </a:r>
+              </a:p>
+              <a:p>
+                <a:pPr lvl="1"/>
+                <a:r>
+                  <a:rPr lang="en-US" dirty="0"/>
+                  <a:t>Many LPs (pension funds, endowments etc.) operate within strict investment mandates that limit exposure to ‘alternative’ assets like PE/VC</a:t>
+                </a:r>
+              </a:p>
+              <a:p>
+                <a:pPr lvl="1"/>
+                <a:r>
+                  <a:rPr lang="en-US" dirty="0"/>
+                  <a:t>Potential explanation 2: Something else might be happening around the reform that drives increases in </a:t>
+                </a:r>
+                <a:r>
+                  <a:rPr lang="en-US" i="1" dirty="0"/>
+                  <a:t>observed </a:t>
+                </a:r>
+                <a:r>
+                  <a:rPr lang="en-US" dirty="0"/>
+                  <a:t>investment in PE/VC [more next slide]</a:t>
+                </a:r>
+              </a:p>
+              <a:p>
+                <a:r>
+                  <a:rPr lang="en-US" dirty="0"/>
+                  <a:t>Either cases are inconsistent with the ‘increased intermediation’ story</a:t>
+                </a:r>
+              </a:p>
+            </p:txBody>
+          </p:sp>
+        </mc:Choice>
+        <mc:Fallback>
+          <p:sp>
+            <p:nvSpPr>
+              <p:cNvPr id="2" name="Content Placeholder 1">
+                <a:extLst>
+                  <a:ext uri="{FF2B5EF4-FFF2-40B4-BE49-F238E27FC236}">
+                    <a16:creationId xmlns:a16="http://schemas.microsoft.com/office/drawing/2014/main" id="{57DE6440-E1AE-DE68-1AFB-DFF8540C7137}"/>
+                  </a:ext>
+                </a:extLst>
+              </p:cNvPr>
+              <p:cNvSpPr>
+                <a:spLocks noGrp="1" noRot="1" noChangeAspect="1" noMove="1" noResize="1" noEditPoints="1" noAdjustHandles="1" noChangeArrowheads="1" noChangeShapeType="1" noTextEdit="1"/>
+              </p:cNvSpPr>
+              <p:nvPr>
+                <p:ph sz="quarter" idx="12"/>
+              </p:nvPr>
+            </p:nvSpPr>
+            <p:spPr>
+              <a:blipFill>
+                <a:blip r:embed="rId4"/>
+                <a:stretch>
+                  <a:fillRect l="-1668" b="-180"/>
+                </a:stretch>
+              </a:blipFill>
+            </p:spPr>
+            <p:txBody>
+              <a:bodyPr/>
+              <a:lstStyle/>
+              <a:p>
+                <a:r>
+                  <a:rPr lang="en-US">
+                    <a:noFill/>
+                  </a:rPr>
+                  <a:t> </a:t>
+                </a:r>
+              </a:p>
+            </p:txBody>
+          </p:sp>
+        </mc:Fallback>
+      </mc:AlternateContent>
       <p:sp>
         <p:nvSpPr>
           <p:cNvPr id="3" name="Text Placeholder 2">
@@ -5040,6 +4842,9 @@
         </p:txBody>
       </p:sp>
     </p:spTree>
+    <p:custDataLst>
+      <p:tags r:id="rId1"/>
+    </p:custDataLst>
     <p:extLst>
       <p:ext uri="{BB962C8B-B14F-4D97-AF65-F5344CB8AC3E}">
         <p14:creationId xmlns:p14="http://schemas.microsoft.com/office/powerpoint/2010/main" val="1331257922"/>
@@ -5049,6 +4854,14 @@
   <p:clrMapOvr>
     <a:masterClrMapping/>
   </p:clrMapOvr>
+  <mc:AlternateContent xmlns:mc="http://schemas.openxmlformats.org/markup-compatibility/2006">
+    <mc:Choice xmlns:p14="http://schemas.microsoft.com/office/powerpoint/2010/main" Requires="p14">
+      <p:transition spd="slow" p14:dur="2000" advTm="145021"/>
+    </mc:Choice>
+    <mc:Fallback>
+      <p:transition spd="slow" advTm="145021"/>
+    </mc:Fallback>
+  </mc:AlternateContent>
   <p:timing>
     <p:tnLst>
       <p:par>
@@ -5356,7 +5169,7 @@
 </p:sld>
 </file>
 
-<file path=ppt/slides/slide6.xml><?xml version="1.0" encoding="utf-8"?>
+<file path=ppt/slides/slide5.xml><?xml version="1.0" encoding="utf-8"?>
 <p:sld xmlns:a="http://schemas.openxmlformats.org/drawingml/2006/main" xmlns:r="http://schemas.openxmlformats.org/officeDocument/2006/relationships" xmlns:p="http://schemas.openxmlformats.org/presentationml/2006/main">
   <p:cSld>
     <p:spTree>
@@ -5466,7 +5279,7 @@
             </a:r>
             <a:r>
               <a:rPr lang="en-US" sz="1200" dirty="0"/>
-              <a:t>Increased PE investments by “treated” LPs partially reflect increased reporting, not true investment changes</a:t>
+              <a:t>Increased investments by “treated” LPs partially reflect increased reporting, not true investment changes</a:t>
             </a:r>
           </a:p>
           <a:p>
@@ -5526,6 +5339,9 @@
         </p:txBody>
       </p:sp>
     </p:spTree>
+    <p:custDataLst>
+      <p:tags r:id="rId1"/>
+    </p:custDataLst>
     <p:extLst>
       <p:ext uri="{BB962C8B-B14F-4D97-AF65-F5344CB8AC3E}">
         <p14:creationId xmlns:p14="http://schemas.microsoft.com/office/powerpoint/2010/main" val="3546266718"/>
@@ -5535,6 +5351,14 @@
   <p:clrMapOvr>
     <a:masterClrMapping/>
   </p:clrMapOvr>
+  <mc:AlternateContent xmlns:mc="http://schemas.openxmlformats.org/markup-compatibility/2006">
+    <mc:Choice xmlns:p14="http://schemas.microsoft.com/office/powerpoint/2010/main" Requires="p14">
+      <p:transition spd="slow" p14:dur="2000" advTm="149562"/>
+    </mc:Choice>
+    <mc:Fallback>
+      <p:transition spd="slow" advTm="149562"/>
+    </mc:Fallback>
+  </mc:AlternateContent>
   <p:timing>
     <p:tnLst>
       <p:par>
@@ -5984,7 +5808,7 @@
 </p:sld>
 </file>
 
-<file path=ppt/slides/slide7.xml><?xml version="1.0" encoding="utf-8"?>
+<file path=ppt/slides/slide6.xml><?xml version="1.0" encoding="utf-8"?>
 <p:sld xmlns:a="http://schemas.openxmlformats.org/drawingml/2006/main" xmlns:r="http://schemas.openxmlformats.org/officeDocument/2006/relationships" xmlns:p="http://schemas.openxmlformats.org/presentationml/2006/main">
   <p:cSld>
     <p:spTree>
@@ -6049,7 +5873,7 @@
             </a:pPr>
             <a:r>
               <a:rPr lang="en-US" sz="1400" dirty="0"/>
-              <a:t>The only analysis at LP-GP-fund level (vs LP-level in other tables)</a:t>
+              <a:t>The only analysis at LP-GP-Fund level (vs LP level in other tables)</a:t>
             </a:r>
           </a:p>
           <a:p>
@@ -6072,7 +5896,7 @@
             </a:r>
             <a:r>
               <a:rPr lang="en-US" sz="1400" dirty="0"/>
-              <a:t> registered vs unregistered GPs</a:t>
+              <a:t> newly registered vs unregistered GPs</a:t>
             </a:r>
           </a:p>
           <a:p>
@@ -6085,7 +5909,7 @@
             </a:pPr>
             <a:r>
               <a:rPr lang="en-US" sz="1400" dirty="0"/>
-              <a:t>Current Limitations:</a:t>
+              <a:t>Current result:</a:t>
             </a:r>
           </a:p>
           <a:p>
@@ -6182,7 +6006,7 @@
             <p:nvPr/>
           </p:nvPicPr>
           <p:blipFill>
-            <a:blip r:embed="rId2"/>
+            <a:blip r:embed="rId3"/>
             <a:srcRect l="1" r="661" b="70793"/>
             <a:stretch/>
           </p:blipFill>
@@ -6245,6 +6069,9 @@
         </p:sp>
       </p:grpSp>
     </p:spTree>
+    <p:custDataLst>
+      <p:tags r:id="rId1"/>
+    </p:custDataLst>
     <p:extLst>
       <p:ext uri="{BB962C8B-B14F-4D97-AF65-F5344CB8AC3E}">
         <p14:creationId xmlns:p14="http://schemas.microsoft.com/office/powerpoint/2010/main" val="203386106"/>
@@ -6254,6 +6081,14 @@
   <p:clrMapOvr>
     <a:masterClrMapping/>
   </p:clrMapOvr>
+  <mc:AlternateContent xmlns:mc="http://schemas.openxmlformats.org/markup-compatibility/2006">
+    <mc:Choice xmlns:p14="http://schemas.microsoft.com/office/powerpoint/2010/main" Requires="p14">
+      <p:transition spd="slow" p14:dur="2000" advTm="68901"/>
+    </mc:Choice>
+    <mc:Fallback>
+      <p:transition spd="slow" advTm="68901"/>
+    </mc:Fallback>
+  </mc:AlternateContent>
   <p:timing>
     <p:tnLst>
       <p:par>
@@ -6512,7 +6347,7 @@
 </p:sld>
 </file>
 
-<file path=ppt/slides/slide8.xml><?xml version="1.0" encoding="utf-8"?>
+<file path=ppt/slides/slide7.xml><?xml version="1.0" encoding="utf-8"?>
 <p:sld xmlns:a="http://schemas.openxmlformats.org/drawingml/2006/main" xmlns:r="http://schemas.openxmlformats.org/officeDocument/2006/relationships" xmlns:p="http://schemas.openxmlformats.org/presentationml/2006/main">
   <p:cSld>
     <p:spTree>
@@ -6548,7 +6383,7 @@
         <p:spPr/>
         <p:txBody>
           <a:bodyPr>
-            <a:normAutofit fontScale="85000" lnSpcReduction="20000"/>
+            <a:normAutofit fontScale="85000" lnSpcReduction="10000"/>
           </a:bodyPr>
           <a:lstStyle/>
           <a:p>
@@ -6568,7 +6403,7 @@
             <a:pPr lvl="1"/>
             <a:r>
               <a:rPr lang="en-US" dirty="0"/>
-              <a:t>While less granular than LP-GP-fund level data, still more granular than LP-level analysis</a:t>
+              <a:t>While less granular than LP-GP-Fund level, still more so than LP level analysis</a:t>
             </a:r>
           </a:p>
           <a:p>
@@ -6651,6 +6486,9 @@
         </p:txBody>
       </p:sp>
     </p:spTree>
+    <p:custDataLst>
+      <p:tags r:id="rId1"/>
+    </p:custDataLst>
     <p:extLst>
       <p:ext uri="{BB962C8B-B14F-4D97-AF65-F5344CB8AC3E}">
         <p14:creationId xmlns:p14="http://schemas.microsoft.com/office/powerpoint/2010/main" val="831824370"/>
@@ -6660,6 +6498,14 @@
   <p:clrMapOvr>
     <a:masterClrMapping/>
   </p:clrMapOvr>
+  <mc:AlternateContent xmlns:mc="http://schemas.openxmlformats.org/markup-compatibility/2006">
+    <mc:Choice xmlns:p14="http://schemas.microsoft.com/office/powerpoint/2010/main" Requires="p14">
+      <p:transition spd="slow" p14:dur="2000" advTm="66031"/>
+    </mc:Choice>
+    <mc:Fallback>
+      <p:transition spd="slow" advTm="66031"/>
+    </mc:Fallback>
+  </mc:AlternateContent>
   <p:timing>
     <p:tnLst>
       <p:par>
@@ -6980,7 +6826,7 @@
 </p:sld>
 </file>
 
-<file path=ppt/slides/slide9.xml><?xml version="1.0" encoding="utf-8"?>
+<file path=ppt/slides/slide8.xml><?xml version="1.0" encoding="utf-8"?>
 <p:sld xmlns:a="http://schemas.openxmlformats.org/drawingml/2006/main" xmlns:r="http://schemas.openxmlformats.org/officeDocument/2006/relationships" xmlns:p="http://schemas.openxmlformats.org/presentationml/2006/main">
   <p:cSld>
     <p:spTree>
@@ -7238,7 +7084,247 @@
   <p:clrMapOvr>
     <a:masterClrMapping/>
   </p:clrMapOvr>
+  <mc:AlternateContent xmlns:mc="http://schemas.openxmlformats.org/markup-compatibility/2006">
+    <mc:Choice xmlns:p14="http://schemas.microsoft.com/office/powerpoint/2010/main" Requires="p14">
+      <p:transition spd="slow" p14:dur="2000" advTm="2248"/>
+    </mc:Choice>
+    <mc:Fallback>
+      <p:transition spd="slow" advTm="2248"/>
+    </mc:Fallback>
+  </mc:AlternateContent>
 </p:sld>
+</file>
+
+<file path=ppt/slides/slide9.xml><?xml version="1.0" encoding="utf-8"?>
+<p:sld xmlns:a="http://schemas.openxmlformats.org/drawingml/2006/main" xmlns:r="http://schemas.openxmlformats.org/officeDocument/2006/relationships" xmlns:p="http://schemas.openxmlformats.org/presentationml/2006/main">
+  <p:cSld>
+    <p:spTree>
+      <p:nvGrpSpPr>
+        <p:cNvPr id="1" name=""/>
+        <p:cNvGrpSpPr/>
+        <p:nvPr/>
+      </p:nvGrpSpPr>
+      <p:grpSpPr>
+        <a:xfrm>
+          <a:off x="0" y="0"/>
+          <a:ext cx="0" cy="0"/>
+          <a:chOff x="0" y="0"/>
+          <a:chExt cx="0" cy="0"/>
+        </a:xfrm>
+      </p:grpSpPr>
+      <mc:AlternateContent xmlns:mc="http://schemas.openxmlformats.org/markup-compatibility/2006" xmlns:a14="http://schemas.microsoft.com/office/drawing/2010/main">
+        <mc:Choice Requires="a14">
+          <p:sp>
+            <p:nvSpPr>
+              <p:cNvPr id="2" name="Content Placeholder 1">
+                <a:extLst>
+                  <a:ext uri="{FF2B5EF4-FFF2-40B4-BE49-F238E27FC236}">
+                    <a16:creationId xmlns:a16="http://schemas.microsoft.com/office/drawing/2014/main" id="{6CB9EED6-5542-4BFD-61C7-F89A4E10FD92}"/>
+                  </a:ext>
+                </a:extLst>
+              </p:cNvPr>
+              <p:cNvSpPr>
+                <a:spLocks noGrp="1"/>
+              </p:cNvSpPr>
+              <p:nvPr>
+                <p:ph sz="quarter" idx="12"/>
+              </p:nvPr>
+            </p:nvSpPr>
+            <p:spPr/>
+            <p:txBody>
+              <a:bodyPr>
+                <a:normAutofit fontScale="85000" lnSpcReduction="10000"/>
+              </a:bodyPr>
+              <a:lstStyle/>
+              <a:p>
+                <a:r>
+                  <a:rPr lang="en-US" dirty="0"/>
+                  <a:t>Definition of </a:t>
+                </a:r>
+                <a14:m>
+                  <m:oMath xmlns:m="http://schemas.openxmlformats.org/officeDocument/2006/math">
+                    <m:r>
+                      <a:rPr lang="en-US" i="1" dirty="0" smtClean="0">
+                        <a:latin typeface="Cambria Math" panose="02040503050406030204" pitchFamily="18" charset="0"/>
+                      </a:rPr>
+                      <m:t>𝐻𝑖𝑔h</m:t>
+                    </m:r>
+                    <m:r>
+                      <a:rPr lang="en-US" i="1" dirty="0" smtClean="0">
+                        <a:latin typeface="Cambria Math" panose="02040503050406030204" pitchFamily="18" charset="0"/>
+                      </a:rPr>
+                      <m:t> </m:t>
+                    </m:r>
+                    <m:r>
+                      <a:rPr lang="en-US" i="1" dirty="0" smtClean="0">
+                        <a:latin typeface="Cambria Math" panose="02040503050406030204" pitchFamily="18" charset="0"/>
+                      </a:rPr>
+                      <m:t>𝑒𝑥𝑝𝑜𝑠𝑢𝑟𝑒</m:t>
+                    </m:r>
+                  </m:oMath>
+                </a14:m>
+                <a:r>
+                  <a:rPr lang="en-US" dirty="0"/>
+                  <a:t>: clarify what ‘the share of newly registered’: high number of registered advisers (count?) or high in terms of dollars invested?</a:t>
+                </a:r>
+              </a:p>
+              <a:p>
+                <a:pPr lvl="1"/>
+                <a:r>
+                  <a:rPr lang="en-US" dirty="0"/>
+                  <a:t>Both measures make sense to me; but would like to clarify what the author uses</a:t>
+                </a:r>
+              </a:p>
+              <a:p>
+                <a:r>
+                  <a:rPr lang="en-US" dirty="0"/>
+                  <a:t>Could examine concurrent paper, Jiang, Mason, Qian, and </a:t>
+                </a:r>
+                <a:r>
+                  <a:rPr lang="en-US" dirty="0" err="1"/>
+                  <a:t>Utke</a:t>
+                </a:r>
+                <a:r>
+                  <a:rPr lang="en-US" dirty="0"/>
+                  <a:t> (2024) </a:t>
+                </a:r>
+              </a:p>
+              <a:p>
+                <a:pPr lvl="1"/>
+                <a:r>
+                  <a:rPr lang="en-US" dirty="0"/>
+                  <a:t>Document mandatory disclosure of misconduct reduces GPs’ ability to fundraise</a:t>
+                </a:r>
+              </a:p>
+              <a:p>
+                <a:endParaRPr lang="en-US" dirty="0"/>
+              </a:p>
+            </p:txBody>
+          </p:sp>
+        </mc:Choice>
+        <mc:Fallback xmlns="">
+          <p:sp>
+            <p:nvSpPr>
+              <p:cNvPr id="2" name="Content Placeholder 1">
+                <a:extLst>
+                  <a:ext uri="{FF2B5EF4-FFF2-40B4-BE49-F238E27FC236}">
+                    <a16:creationId xmlns:a16="http://schemas.microsoft.com/office/drawing/2014/main" id="{6CB9EED6-5542-4BFD-61C7-F89A4E10FD92}"/>
+                  </a:ext>
+                </a:extLst>
+              </p:cNvPr>
+              <p:cNvSpPr>
+                <a:spLocks noGrp="1" noRot="1" noChangeAspect="1" noMove="1" noResize="1" noEditPoints="1" noAdjustHandles="1" noChangeArrowheads="1" noChangeShapeType="1" noTextEdit="1"/>
+              </p:cNvSpPr>
+              <p:nvPr>
+                <p:ph sz="quarter" idx="12"/>
+              </p:nvPr>
+            </p:nvSpPr>
+            <p:spPr>
+              <a:blipFill>
+                <a:blip r:embed="rId2"/>
+                <a:stretch>
+                  <a:fillRect l="-1668"/>
+                </a:stretch>
+              </a:blipFill>
+            </p:spPr>
+            <p:txBody>
+              <a:bodyPr/>
+              <a:lstStyle/>
+              <a:p>
+                <a:r>
+                  <a:rPr lang="en-US">
+                    <a:noFill/>
+                  </a:rPr>
+                  <a:t> </a:t>
+                </a:r>
+              </a:p>
+            </p:txBody>
+          </p:sp>
+        </mc:Fallback>
+      </mc:AlternateContent>
+      <p:sp>
+        <p:nvSpPr>
+          <p:cNvPr id="3" name="Text Placeholder 2">
+            <a:extLst>
+              <a:ext uri="{FF2B5EF4-FFF2-40B4-BE49-F238E27FC236}">
+                <a16:creationId xmlns:a16="http://schemas.microsoft.com/office/drawing/2014/main" id="{1BBCFFBB-F3ED-06B9-5BBB-87322605F78C}"/>
+              </a:ext>
+            </a:extLst>
+          </p:cNvPr>
+          <p:cNvSpPr>
+            <a:spLocks noGrp="1"/>
+          </p:cNvSpPr>
+          <p:nvPr>
+            <p:ph type="body" sz="quarter" idx="10"/>
+          </p:nvPr>
+        </p:nvSpPr>
+        <p:spPr/>
+        <p:txBody>
+          <a:bodyPr/>
+          <a:lstStyle/>
+          <a:p>
+            <a:r>
+              <a:rPr lang="en-US" dirty="0"/>
+              <a:t>Other comments</a:t>
+            </a:r>
+          </a:p>
+        </p:txBody>
+      </p:sp>
+    </p:spTree>
+    <p:extLst>
+      <p:ext uri="{BB962C8B-B14F-4D97-AF65-F5344CB8AC3E}">
+        <p14:creationId xmlns:p14="http://schemas.microsoft.com/office/powerpoint/2010/main" val="15082078"/>
+      </p:ext>
+    </p:extLst>
+  </p:cSld>
+  <p:clrMapOvr>
+    <a:masterClrMapping/>
+  </p:clrMapOvr>
+  <mc:AlternateContent xmlns:mc="http://schemas.openxmlformats.org/markup-compatibility/2006">
+    <mc:Choice xmlns:p14="http://schemas.microsoft.com/office/powerpoint/2010/main" Requires="p14">
+      <p:transition spd="slow" p14:dur="2000" advTm="1589"/>
+    </mc:Choice>
+    <mc:Fallback>
+      <p:transition spd="slow" advTm="1589"/>
+    </mc:Fallback>
+  </mc:AlternateContent>
+</p:sld>
+</file>
+
+<file path=ppt/tags/tag1.xml><?xml version="1.0" encoding="utf-8"?>
+<p:tagLst xmlns:a="http://schemas.openxmlformats.org/drawingml/2006/main" xmlns:r="http://schemas.openxmlformats.org/officeDocument/2006/relationships" xmlns:p="http://schemas.openxmlformats.org/presentationml/2006/main">
+  <p:tag name="TIMING" val="|0.7|14.8|53.7"/>
+</p:tagLst>
+</file>
+
+<file path=ppt/tags/tag2.xml><?xml version="1.0" encoding="utf-8"?>
+<p:tagLst xmlns:a="http://schemas.openxmlformats.org/drawingml/2006/main" xmlns:r="http://schemas.openxmlformats.org/officeDocument/2006/relationships" xmlns:p="http://schemas.openxmlformats.org/presentationml/2006/main">
+  <p:tag name="TIMING" val="|8.6|3.2|14.8|20.1|9.1|13"/>
+</p:tagLst>
+</file>
+
+<file path=ppt/tags/tag3.xml><?xml version="1.0" encoding="utf-8"?>
+<p:tagLst xmlns:a="http://schemas.openxmlformats.org/drawingml/2006/main" xmlns:r="http://schemas.openxmlformats.org/officeDocument/2006/relationships" xmlns:p="http://schemas.openxmlformats.org/presentationml/2006/main">
+  <p:tag name="TIMING" val="|6.8|45.4|82.1"/>
+</p:tagLst>
+</file>
+
+<file path=ppt/tags/tag4.xml><?xml version="1.0" encoding="utf-8"?>
+<p:tagLst xmlns:a="http://schemas.openxmlformats.org/drawingml/2006/main" xmlns:r="http://schemas.openxmlformats.org/officeDocument/2006/relationships" xmlns:p="http://schemas.openxmlformats.org/presentationml/2006/main">
+  <p:tag name="TIMING" val="|4.4|12.3|43.6|52.6"/>
+</p:tagLst>
+</file>
+
+<file path=ppt/tags/tag5.xml><?xml version="1.0" encoding="utf-8"?>
+<p:tagLst xmlns:a="http://schemas.openxmlformats.org/drawingml/2006/main" xmlns:r="http://schemas.openxmlformats.org/officeDocument/2006/relationships" xmlns:p="http://schemas.openxmlformats.org/presentationml/2006/main">
+  <p:tag name="TIMING" val="|24|29.8"/>
+</p:tagLst>
+</file>
+
+<file path=ppt/tags/tag6.xml><?xml version="1.0" encoding="utf-8"?>
+<p:tagLst xmlns:a="http://schemas.openxmlformats.org/drawingml/2006/main" xmlns:r="http://schemas.openxmlformats.org/officeDocument/2006/relationships" xmlns:p="http://schemas.openxmlformats.org/presentationml/2006/main">
+  <p:tag name="TIMING" val="|1.1|26.7"/>
+</p:tagLst>
 </file>
 
 <file path=ppt/theme/theme1.xml><?xml version="1.0" encoding="utf-8"?>

--- a/files/Discussion-Kang-PE Regulatory Oversight-10mins.pptx
+++ b/files/Discussion-Kang-PE Regulatory Oversight-10mins.pptx
@@ -2995,7 +2995,7 @@
             </p:spPr>
             <p:txBody>
               <a:bodyPr>
-                <a:normAutofit fontScale="85000" lnSpcReduction="20000"/>
+                <a:normAutofit fontScale="85000" lnSpcReduction="10000"/>
               </a:bodyPr>
               <a:lstStyle/>
               <a:p>
@@ -3008,8 +3008,8 @@
                   </a:spcAft>
                 </a:pPr>
                 <a:r>
-                  <a:rPr lang="en-US" dirty="0"/>
-                  <a:t>Dodd-Frank Act unexpectedly expanded regulatory oversight of PE fund advisers</a:t>
+                  <a:rPr lang="en-US" kern="1000" spc="-40" dirty="0"/>
+                  <a:t>Dodd-Frank unexpectedly expanded regulatory oversight of PE fund adviser</a:t>
                 </a:r>
               </a:p>
               <a:p>
@@ -3170,7 +3170,7 @@
               <a:blipFill>
                 <a:blip r:embed="rId3"/>
                 <a:stretch>
-                  <a:fillRect l="-1668" t="-2342" b="-1802"/>
+                  <a:fillRect l="-1668" t="-2162" b="-360"/>
                 </a:stretch>
               </a:blipFill>
             </p:spPr>
